--- a/Final-capstone-story_MintuVipinJoy.pptx
+++ b/Final-capstone-story_MintuVipinJoy.pptx
@@ -5,7 +5,7 @@
     <p:sldMasterId id="2147483660" r:id="rId4"/>
   </p:sldMasterIdLst>
   <p:notesMasterIdLst>
-    <p:notesMasterId r:id="rId25"/>
+    <p:notesMasterId r:id="rId27"/>
   </p:notesMasterIdLst>
   <p:sldIdLst>
     <p:sldId id="256" r:id="rId5"/>
@@ -28,6 +28,8 @@
     <p:sldId id="275" r:id="rId22"/>
     <p:sldId id="276" r:id="rId23"/>
     <p:sldId id="277" r:id="rId24"/>
+    <p:sldId id="281" r:id="rId25"/>
+    <p:sldId id="280" r:id="rId26"/>
   </p:sldIdLst>
   <p:sldSz cx="12192000" cy="6858000"/>
   <p:notesSz cx="6858000" cy="1857375"/>
@@ -154,6 +156,13 @@
     <p:extLst>
       <p:ext uri="{19B8F6BF-5375-455C-9EA6-DF929625EA0E}">
         <p15:presenceInfo xmlns:p15="http://schemas.microsoft.com/office/powerpoint/2012/main" userId="YZ5PSXVD06EfD4/04RF+4IpszM4ZmL7FtUZDJf4jPLA=" providerId="None"/>
+      </p:ext>
+    </p:extLst>
+  </p:cmAuthor>
+  <p:cmAuthor id="4" name="MINTU VIPIN JOY" initials="MV" lastIdx="1" clrIdx="3">
+    <p:extLst>
+      <p:ext uri="{19B8F6BF-5375-455C-9EA6-DF929625EA0E}">
+        <p15:presenceInfo xmlns:p15="http://schemas.microsoft.com/office/powerpoint/2012/main" userId="d17f7bc477e049cf" providerId="Windows Live"/>
       </p:ext>
     </p:extLst>
   </p:cmAuthor>
@@ -7603,13 +7612,46 @@
         </p:nvSpPr>
         <p:spPr>
           <a:xfrm>
-            <a:off x="4544291" y="1825625"/>
+            <a:off x="4483259" y="1594397"/>
             <a:ext cx="6809509" cy="4351338"/>
           </a:xfrm>
         </p:spPr>
         <p:txBody>
           <a:bodyPr/>
           <a:lstStyle/>
+          <a:p>
+            <a:pPr marL="0" indent="0">
+              <a:buNone/>
+            </a:pPr>
+            <a:r>
+              <a:rPr lang="en-US" dirty="0"/>
+              <a:t>IBM Cognos Analytics</a:t>
+            </a:r>
+          </a:p>
+          <a:p>
+            <a:pPr marL="0" indent="0">
+              <a:buNone/>
+            </a:pPr>
+            <a:endParaRPr lang="en-US" dirty="0"/>
+          </a:p>
+          <a:p>
+            <a:pPr marL="0" indent="0">
+              <a:buNone/>
+            </a:pPr>
+            <a:r>
+              <a:rPr lang="en-US" sz="2400" dirty="0">
+                <a:solidFill>
+                  <a:schemeClr val="accent1"/>
+                </a:solidFill>
+              </a:rPr>
+              <a:t>IBM Cognos Analytics is a comprehensive business intelligence and analytics platform that enables organizations to make data-driven decisions. It offers powerful reporting, dashboarding, and data visualization capabilities to uncover insights from diverse data sources</a:t>
+            </a:r>
+            <a:endParaRPr lang="en-CA" sz="2400" dirty="0">
+              <a:solidFill>
+                <a:schemeClr val="accent1"/>
+              </a:solidFill>
+            </a:endParaRPr>
+          </a:p>
           <a:p>
             <a:pPr marL="0" indent="0">
               <a:buNone/>
@@ -8539,6 +8581,156 @@
     <p:extLst>
       <p:ext uri="{BB962C8B-B14F-4D97-AF65-F5344CB8AC3E}">
         <p14:creationId xmlns:p14="http://schemas.microsoft.com/office/powerpoint/2010/main" val="1817399028"/>
+      </p:ext>
+    </p:extLst>
+  </p:cSld>
+  <p:clrMapOvr>
+    <a:masterClrMapping/>
+  </p:clrMapOvr>
+</p:sld>
+</file>
+
+<file path=ppt/slides/slide21.xml><?xml version="1.0" encoding="utf-8"?>
+<p:sld xmlns:a="http://schemas.openxmlformats.org/drawingml/2006/main" xmlns:r="http://schemas.openxmlformats.org/officeDocument/2006/relationships" xmlns:p="http://schemas.openxmlformats.org/presentationml/2006/main">
+  <p:cSld>
+    <p:spTree>
+      <p:nvGrpSpPr>
+        <p:cNvPr id="1" name=""/>
+        <p:cNvGrpSpPr/>
+        <p:nvPr/>
+      </p:nvGrpSpPr>
+      <p:grpSpPr>
+        <a:xfrm>
+          <a:off x="0" y="0"/>
+          <a:ext cx="0" cy="0"/>
+          <a:chOff x="0" y="0"/>
+          <a:chExt cx="0" cy="0"/>
+        </a:xfrm>
+      </p:grpSpPr>
+      <p:sp>
+        <p:nvSpPr>
+          <p:cNvPr id="2" name="Title 1">
+            <a:extLst>
+              <a:ext uri="{FF2B5EF4-FFF2-40B4-BE49-F238E27FC236}">
+                <a16:creationId xmlns:a16="http://schemas.microsoft.com/office/drawing/2014/main" id="{D2920CBC-9205-9D56-1F5C-6B2E233328C1}"/>
+              </a:ext>
+            </a:extLst>
+          </p:cNvPr>
+          <p:cNvSpPr>
+            <a:spLocks noGrp="1"/>
+          </p:cNvSpPr>
+          <p:nvPr>
+            <p:ph type="title"/>
+          </p:nvPr>
+        </p:nvSpPr>
+        <p:spPr/>
+        <p:txBody>
+          <a:bodyPr/>
+          <a:lstStyle/>
+          <a:p>
+            <a:r>
+              <a:rPr lang="en-CA" dirty="0"/>
+              <a:t>Ethnicity of Respondents</a:t>
+            </a:r>
+          </a:p>
+        </p:txBody>
+      </p:sp>
+      <p:pic>
+        <p:nvPicPr>
+          <p:cNvPr id="5" name="Content Placeholder 4">
+            <a:extLst>
+              <a:ext uri="{FF2B5EF4-FFF2-40B4-BE49-F238E27FC236}">
+                <a16:creationId xmlns:a16="http://schemas.microsoft.com/office/drawing/2014/main" id="{559922ED-9F95-33FE-4008-9A9D5BD2C23F}"/>
+              </a:ext>
+            </a:extLst>
+          </p:cNvPr>
+          <p:cNvPicPr>
+            <a:picLocks noGrp="1" noChangeAspect="1"/>
+          </p:cNvPicPr>
+          <p:nvPr>
+            <p:ph idx="1"/>
+          </p:nvPr>
+        </p:nvPicPr>
+        <p:blipFill>
+          <a:blip r:embed="rId2"/>
+          <a:stretch>
+            <a:fillRect/>
+          </a:stretch>
+        </p:blipFill>
+        <p:spPr>
+          <a:xfrm>
+            <a:off x="2631897" y="1850128"/>
+            <a:ext cx="6928206" cy="4032457"/>
+          </a:xfrm>
+        </p:spPr>
+      </p:pic>
+    </p:spTree>
+    <p:extLst>
+      <p:ext uri="{BB962C8B-B14F-4D97-AF65-F5344CB8AC3E}">
+        <p14:creationId xmlns:p14="http://schemas.microsoft.com/office/powerpoint/2010/main" val="3029668025"/>
+      </p:ext>
+    </p:extLst>
+  </p:cSld>
+  <p:clrMapOvr>
+    <a:masterClrMapping/>
+  </p:clrMapOvr>
+</p:sld>
+</file>
+
+<file path=ppt/slides/slide22.xml><?xml version="1.0" encoding="utf-8"?>
+<p:sld xmlns:a="http://schemas.openxmlformats.org/drawingml/2006/main" xmlns:r="http://schemas.openxmlformats.org/officeDocument/2006/relationships" xmlns:p="http://schemas.openxmlformats.org/presentationml/2006/main">
+  <p:cSld>
+    <p:spTree>
+      <p:nvGrpSpPr>
+        <p:cNvPr id="1" name=""/>
+        <p:cNvGrpSpPr/>
+        <p:nvPr/>
+      </p:nvGrpSpPr>
+      <p:grpSpPr>
+        <a:xfrm>
+          <a:off x="0" y="0"/>
+          <a:ext cx="0" cy="0"/>
+          <a:chOff x="0" y="0"/>
+          <a:chExt cx="0" cy="0"/>
+        </a:xfrm>
+      </p:grpSpPr>
+      <p:sp>
+        <p:nvSpPr>
+          <p:cNvPr id="2" name="Title 1">
+            <a:extLst>
+              <a:ext uri="{FF2B5EF4-FFF2-40B4-BE49-F238E27FC236}">
+                <a16:creationId xmlns:a16="http://schemas.microsoft.com/office/drawing/2014/main" id="{031B027D-2FA3-2590-BEC9-D2FF8D61BA24}"/>
+              </a:ext>
+            </a:extLst>
+          </p:cNvPr>
+          <p:cNvSpPr>
+            <a:spLocks noGrp="1"/>
+          </p:cNvSpPr>
+          <p:nvPr>
+            <p:ph type="title"/>
+          </p:nvPr>
+        </p:nvSpPr>
+        <p:spPr>
+          <a:xfrm>
+            <a:off x="6728861" y="3705091"/>
+            <a:ext cx="3438869" cy="1325563"/>
+          </a:xfrm>
+        </p:spPr>
+        <p:txBody>
+          <a:bodyPr/>
+          <a:lstStyle/>
+          <a:p>
+            <a:r>
+              <a:rPr lang="en-CA" dirty="0"/>
+              <a:t>Thank you</a:t>
+            </a:r>
+          </a:p>
+        </p:txBody>
+      </p:sp>
+    </p:spTree>
+    <p:extLst>
+      <p:ext uri="{BB962C8B-B14F-4D97-AF65-F5344CB8AC3E}">
+        <p14:creationId xmlns:p14="http://schemas.microsoft.com/office/powerpoint/2010/main" val="3934598292"/>
       </p:ext>
     </p:extLst>
   </p:cSld>
@@ -11323,6 +11515,12 @@
 </file>
 
 <file path=customXml/item2.xml><?xml version="1.0" encoding="utf-8"?>
+<p:properties xmlns:p="http://schemas.microsoft.com/office/2006/metadata/properties" xmlns:xsi="http://www.w3.org/2001/XMLSchema-instance" xmlns:pc="http://schemas.microsoft.com/office/infopath/2007/PartnerControls">
+  <documentManagement/>
+</p:properties>
+</file>
+
+<file path=customXml/item3.xml><?xml version="1.0" encoding="utf-8"?>
 <ct:contentTypeSchema xmlns:ct="http://schemas.microsoft.com/office/2006/metadata/contentType" xmlns:ma="http://schemas.microsoft.com/office/2006/metadata/properties/metaAttributes" ct:_="" ma:_="" ma:contentTypeName="Document" ma:contentTypeID="0x010100EECD86F56755A646AC8AFCBCBD967F21" ma:contentTypeVersion="11" ma:contentTypeDescription="Create a new document." ma:contentTypeScope="" ma:versionID="4bc1015ece1c23b1ef2f55a62f11494f">
   <xsd:schema xmlns:xsd="http://www.w3.org/2001/XMLSchema" xmlns:xs="http://www.w3.org/2001/XMLSchema" xmlns:p="http://schemas.microsoft.com/office/2006/metadata/properties" xmlns:ns2="155be751-a274-42e8-93fb-f39d3b9bccc8" xmlns:ns3="f80a141d-92ca-4d3d-9308-f7e7b1d44ce8" targetNamespace="http://schemas.microsoft.com/office/2006/metadata/properties" ma:root="true" ma:fieldsID="efbf6837a43ed91190e40f849f23a130" ns2:_="" ns3:_="">
     <xsd:import namespace="155be751-a274-42e8-93fb-f39d3b9bccc8"/>
@@ -11533,12 +11731,6 @@
 </ct:contentTypeSchema>
 </file>
 
-<file path=customXml/item3.xml><?xml version="1.0" encoding="utf-8"?>
-<p:properties xmlns:p="http://schemas.microsoft.com/office/2006/metadata/properties" xmlns:xsi="http://www.w3.org/2001/XMLSchema-instance" xmlns:pc="http://schemas.microsoft.com/office/infopath/2007/PartnerControls">
-  <documentManagement/>
-</p:properties>
-</file>
-
 <file path=customXml/itemProps1.xml><?xml version="1.0" encoding="utf-8"?>
 <ds:datastoreItem xmlns:ds="http://schemas.openxmlformats.org/officeDocument/2006/customXml" ds:itemID="{7EFDA260-DDA0-422C-B7AE-778F653FBB36}">
   <ds:schemaRefs>
@@ -11548,6 +11740,15 @@
 </file>
 
 <file path=customXml/itemProps2.xml><?xml version="1.0" encoding="utf-8"?>
+<ds:datastoreItem xmlns:ds="http://schemas.openxmlformats.org/officeDocument/2006/customXml" ds:itemID="{54DA07C5-A406-4A0D-B3E6-3856C94AC7F3}">
+  <ds:schemaRefs>
+    <ds:schemaRef ds:uri="http://schemas.microsoft.com/office/2006/metadata/properties"/>
+    <ds:schemaRef ds:uri="http://schemas.microsoft.com/office/infopath/2007/PartnerControls"/>
+  </ds:schemaRefs>
+</ds:datastoreItem>
+</file>
+
+<file path=customXml/itemProps3.xml><?xml version="1.0" encoding="utf-8"?>
 <ds:datastoreItem xmlns:ds="http://schemas.openxmlformats.org/officeDocument/2006/customXml" ds:itemID="{887AE8FE-83F0-42D0-BB5E-14AD3FB1DE17}">
   <ds:schemaRefs>
     <ds:schemaRef ds:uri="http://schemas.microsoft.com/office/2006/metadata/contentType"/>
@@ -11564,13 +11765,4 @@
     <ds:schemaRef ds:uri="http://schemas.microsoft.com/internal/obd"/>
   </ds:schemaRefs>
 </ds:datastoreItem>
-</file>
-
-<file path=customXml/itemProps3.xml><?xml version="1.0" encoding="utf-8"?>
-<ds:datastoreItem xmlns:ds="http://schemas.openxmlformats.org/officeDocument/2006/customXml" ds:itemID="{54DA07C5-A406-4A0D-B3E6-3856C94AC7F3}">
-  <ds:schemaRefs>
-    <ds:schemaRef ds:uri="http://schemas.microsoft.com/office/2006/metadata/properties"/>
-    <ds:schemaRef ds:uri="http://schemas.microsoft.com/office/infopath/2007/PartnerControls"/>
-  </ds:schemaRefs>
-</ds:datastoreItem>
 </file>